--- a/react-query-notes.pptx
+++ b/react-query-notes.pptx
@@ -221,7 +221,7 @@
           <a:p>
             <a:fld id="{85D43D84-0AC1-409E-A5A4-64AEBAC26CC0}" type="datetimeFigureOut">
               <a:rPr lang="en-CA" smtClean="0"/>
-              <a:t>2023-03-09</a:t>
+              <a:t>2023-03-10</a:t>
             </a:fld>
             <a:endParaRPr lang="en-CA"/>
           </a:p>
@@ -631,6 +631,15 @@
           <a:p>
             <a:r>
               <a:rPr lang="en-CA" b="0" i="0" dirty="0"/>
+              <a:t>The definition found from the official docs is the following^</a:t>
+            </a:r>
+          </a:p>
+          <a:p>
+            <a:endParaRPr lang="en-CA" b="1" i="0" dirty="0"/>
+          </a:p>
+          <a:p>
+            <a:r>
+              <a:rPr lang="en-CA" b="0" i="0" dirty="0"/>
               <a:t>In simple terms, what this means is: a query can be used to fetch data from a server. A simple example would be making a GET request to retrieve a list of </a:t>
             </a:r>
             <a:r>
@@ -767,7 +776,7 @@
                 <a:effectLst/>
                 <a:latin typeface="ui-sans-serif"/>
               </a:rPr>
-              <a:t>You’ll see here that we provide the hook with</a:t>
+              <a:t>You’ll see here that we provide the hook with 2 things:</a:t>
             </a:r>
           </a:p>
           <a:p>
@@ -1010,7 +1019,7 @@
             </a:r>
             <a:r>
               <a:rPr lang="en-US" dirty="0"/>
-              <a:t> states for us! (So we can easily render a loading message or error message).</a:t>
+              <a:t> states for us! (So, we can easily render a loading message or error message).</a:t>
             </a:r>
           </a:p>
           <a:p>
@@ -1577,7 +1586,52 @@
           <a:bodyPr/>
           <a:lstStyle/>
           <a:p>
-            <a:endParaRPr lang="en-CA" b="1" i="0" dirty="0"/>
+            <a:r>
+              <a:rPr lang="en-CA" b="0" i="0" dirty="0"/>
+              <a:t>The official docs outline query invalidation as the following^</a:t>
+            </a:r>
+          </a:p>
+          <a:p>
+            <a:endParaRPr lang="en-CA" b="0" i="0" dirty="0"/>
+          </a:p>
+          <a:p>
+            <a:pPr marL="0" marR="0" lvl="0" indent="0" algn="l" defTabSz="914400" rtl="0" eaLnBrk="1" fontAlgn="auto" latinLnBrk="0" hangingPunct="1">
+              <a:lnSpc>
+                <a:spcPct val="100000"/>
+              </a:lnSpc>
+              <a:spcBef>
+                <a:spcPts val="0"/>
+              </a:spcBef>
+              <a:spcAft>
+                <a:spcPts val="0"/>
+              </a:spcAft>
+              <a:buClrTx/>
+              <a:buSzTx/>
+              <a:buFontTx/>
+              <a:buNone/>
+              <a:tabLst/>
+              <a:defRPr/>
+            </a:pPr>
+            <a:r>
+              <a:rPr lang="en-CA" b="0" i="0" dirty="0"/>
+              <a:t>So a simple example is that when we create a new </a:t>
+            </a:r>
+            <a:r>
+              <a:rPr lang="en-CA" b="0" i="0" dirty="0" err="1"/>
+              <a:t>todo</a:t>
+            </a:r>
+            <a:r>
+              <a:rPr lang="en-CA" b="0" i="0" dirty="0"/>
+              <a:t> item, our </a:t>
+            </a:r>
+            <a:r>
+              <a:rPr lang="en-CA" b="0" i="0" dirty="0" err="1"/>
+              <a:t>todos</a:t>
+            </a:r>
+            <a:r>
+              <a:rPr lang="en-CA" b="0" i="0" dirty="0"/>
+              <a:t> query is now invalid because we have mutated the data.</a:t>
+            </a:r>
           </a:p>
         </p:txBody>
       </p:sp>
@@ -1662,31 +1716,6 @@
           <a:lstStyle/>
           <a:p>
             <a:r>
-              <a:rPr lang="en-CA" b="0" i="0" dirty="0"/>
-              <a:t>So a simple example is that when we create a new </a:t>
-            </a:r>
-            <a:r>
-              <a:rPr lang="en-CA" b="0" i="0" dirty="0" err="1"/>
-              <a:t>todo</a:t>
-            </a:r>
-            <a:r>
-              <a:rPr lang="en-CA" b="0" i="0" dirty="0"/>
-              <a:t> item, our </a:t>
-            </a:r>
-            <a:r>
-              <a:rPr lang="en-CA" b="0" i="0" dirty="0" err="1"/>
-              <a:t>todos</a:t>
-            </a:r>
-            <a:r>
-              <a:rPr lang="en-CA" b="0" i="0" dirty="0"/>
-              <a:t> query is now invalid because we have mutated the data.</a:t>
-            </a:r>
-          </a:p>
-          <a:p>
-            <a:endParaRPr lang="en-CA" b="0" i="0" dirty="0"/>
-          </a:p>
-          <a:p>
-            <a:r>
               <a:rPr lang="en-US" b="0" i="0" dirty="0">
                 <a:solidFill>
                   <a:srgbClr val="374151"/>
@@ -1730,6 +1759,55 @@
               </a:rPr>
               <a:t> them too!</a:t>
             </a:r>
+          </a:p>
+          <a:p>
+            <a:endParaRPr lang="en-US" b="0" i="0" dirty="0">
+              <a:solidFill>
+                <a:srgbClr val="374151"/>
+              </a:solidFill>
+              <a:effectLst/>
+              <a:latin typeface="ui-sans-serif"/>
+            </a:endParaRPr>
+          </a:p>
+          <a:p>
+            <a:pPr marL="0" marR="0" lvl="0" indent="0" algn="l" defTabSz="914400" rtl="0" eaLnBrk="1" fontAlgn="auto" latinLnBrk="0" hangingPunct="1">
+              <a:lnSpc>
+                <a:spcPct val="100000"/>
+              </a:lnSpc>
+              <a:spcBef>
+                <a:spcPts val="0"/>
+              </a:spcBef>
+              <a:spcAft>
+                <a:spcPts val="0"/>
+              </a:spcAft>
+              <a:buClrTx/>
+              <a:buSzTx/>
+              <a:buFontTx/>
+              <a:buNone/>
+              <a:tabLst/>
+              <a:defRPr/>
+            </a:pPr>
+            <a:r>
+              <a:rPr lang="en-US" b="0" i="0" dirty="0">
+                <a:solidFill>
+                  <a:srgbClr val="374151"/>
+                </a:solidFill>
+                <a:effectLst/>
+                <a:latin typeface="ui-sans-serif"/>
+              </a:rPr>
+              <a:t>A side note worth mentioning is that </a:t>
+            </a:r>
+            <a:r>
+              <a:rPr lang="en-CA" dirty="0"/>
+              <a:t>React Query supports “partial matching” (</a:t>
+            </a:r>
+            <a:r>
+              <a:rPr lang="en-US" dirty="0"/>
+              <a:t>you can match multiple queries by their prefix, or get really specific and match an exact query). </a:t>
+            </a:r>
+            <a:endParaRPr lang="en-CA" dirty="0"/>
+          </a:p>
+          <a:p>
             <a:endParaRPr lang="en-CA" b="0" i="0" dirty="0"/>
           </a:p>
         </p:txBody>
@@ -2290,15 +2368,7 @@
             </a:pPr>
             <a:r>
               <a:rPr lang="en-US" b="0" dirty="0"/>
-              <a:t>On the last slide we said stale data can be </a:t>
-            </a:r>
-            <a:r>
-              <a:rPr lang="en-US" b="0" dirty="0" err="1"/>
-              <a:t>refetched</a:t>
-            </a:r>
-            <a:r>
-              <a:rPr lang="en-US" b="0" dirty="0"/>
-              <a:t> under certain conditions.</a:t>
+              <a:t>Let’s elaborate on those “conditions” </a:t>
             </a:r>
           </a:p>
           <a:p>
@@ -2342,6 +2412,57 @@
             <a:r>
               <a:rPr lang="en-US" b="0" i="0" dirty="0"/>
               <a:t>In greater detail, …</a:t>
+            </a:r>
+          </a:p>
+          <a:p>
+            <a:pPr marL="0" marR="0" lvl="0" indent="0" algn="l" defTabSz="914400" rtl="0" eaLnBrk="1" fontAlgn="auto" latinLnBrk="0" hangingPunct="1">
+              <a:lnSpc>
+                <a:spcPct val="100000"/>
+              </a:lnSpc>
+              <a:spcBef>
+                <a:spcPts val="0"/>
+              </a:spcBef>
+              <a:spcAft>
+                <a:spcPts val="0"/>
+              </a:spcAft>
+              <a:buClrTx/>
+              <a:buSzTx/>
+              <a:buFontTx/>
+              <a:buNone/>
+              <a:tabLst/>
+              <a:defRPr/>
+            </a:pPr>
+            <a:endParaRPr lang="en-US" b="0" i="0" dirty="0"/>
+          </a:p>
+          <a:p>
+            <a:pPr marL="0" marR="0" lvl="0" indent="0" algn="l" defTabSz="914400" rtl="0" eaLnBrk="1" fontAlgn="auto" latinLnBrk="0" hangingPunct="1">
+              <a:lnSpc>
+                <a:spcPct val="100000"/>
+              </a:lnSpc>
+              <a:spcBef>
+                <a:spcPts val="0"/>
+              </a:spcBef>
+              <a:spcAft>
+                <a:spcPts val="0"/>
+              </a:spcAft>
+              <a:buClrTx/>
+              <a:buSzTx/>
+              <a:buFontTx/>
+              <a:buNone/>
+              <a:tabLst/>
+              <a:defRPr/>
+            </a:pPr>
+            <a:r>
+              <a:rPr lang="en-US" b="0" i="0" dirty="0"/>
+              <a:t>So we can see that React Query handles a lot of </a:t>
+            </a:r>
+            <a:r>
+              <a:rPr lang="en-US" b="0" i="0" dirty="0" err="1"/>
+              <a:t>refetching</a:t>
+            </a:r>
+            <a:r>
+              <a:rPr lang="en-US" b="0" i="0" dirty="0"/>
+              <a:t> logic for us!</a:t>
             </a:r>
             <a:endParaRPr lang="en-CA" b="0" i="0" dirty="0"/>
           </a:p>
@@ -3012,7 +3133,7 @@
           <a:p>
             <a:r>
               <a:rPr lang="en-CA" dirty="0"/>
-              <a:t>This is where React Query can help us.</a:t>
+              <a:t>This is where React Query can help us. As described by the official documentation, …</a:t>
             </a:r>
           </a:p>
         </p:txBody>
@@ -3099,7 +3220,7 @@
           <a:p>
             <a:r>
               <a:rPr lang="en-CA" dirty="0"/>
-              <a:t>So now that we have an understanding of the problems React Query is trying to solve, let’s go through some of the core concepts.</a:t>
+              <a:t>So now that we have an understanding of the problems React Query aims to solve, let’s go through some of the core concepts of the library.</a:t>
             </a:r>
           </a:p>
         </p:txBody>
@@ -3209,7 +3330,11 @@
               <a:rPr lang="en-CA" b="1" i="0" dirty="0"/>
               <a:t> </a:t>
             </a:r>
-            <a:endParaRPr lang="en-CA" dirty="0"/>
+            <a:r>
+              <a:rPr lang="en-CA" b="0" i="0" dirty="0"/>
+              <a:t>Let’s go through each one.</a:t>
+            </a:r>
+            <a:endParaRPr lang="en-CA" b="0" dirty="0"/>
           </a:p>
         </p:txBody>
       </p:sp>
@@ -3295,7 +3420,7 @@
           <a:p>
             <a:r>
               <a:rPr lang="en-CA" dirty="0"/>
-              <a:t>Let’s start with Queries.</a:t>
+              <a:t>First we can discuss Queries.</a:t>
             </a:r>
           </a:p>
         </p:txBody>
@@ -3485,7 +3610,7 @@
           <a:p>
             <a:fld id="{2D0A01F5-7044-4460-A129-106A20178FD2}" type="datetimeFigureOut">
               <a:rPr lang="en-CA" smtClean="0"/>
-              <a:t>2023-03-09</a:t>
+              <a:t>2023-03-10</a:t>
             </a:fld>
             <a:endParaRPr lang="en-CA"/>
           </a:p>
@@ -3685,7 +3810,7 @@
           <a:p>
             <a:fld id="{2D0A01F5-7044-4460-A129-106A20178FD2}" type="datetimeFigureOut">
               <a:rPr lang="en-CA" smtClean="0"/>
-              <a:t>2023-03-09</a:t>
+              <a:t>2023-03-10</a:t>
             </a:fld>
             <a:endParaRPr lang="en-CA"/>
           </a:p>
@@ -3895,7 +4020,7 @@
           <a:p>
             <a:fld id="{2D0A01F5-7044-4460-A129-106A20178FD2}" type="datetimeFigureOut">
               <a:rPr lang="en-CA" smtClean="0"/>
-              <a:t>2023-03-09</a:t>
+              <a:t>2023-03-10</a:t>
             </a:fld>
             <a:endParaRPr lang="en-CA"/>
           </a:p>
@@ -4095,7 +4220,7 @@
           <a:p>
             <a:fld id="{2D0A01F5-7044-4460-A129-106A20178FD2}" type="datetimeFigureOut">
               <a:rPr lang="en-CA" smtClean="0"/>
-              <a:t>2023-03-09</a:t>
+              <a:t>2023-03-10</a:t>
             </a:fld>
             <a:endParaRPr lang="en-CA"/>
           </a:p>
@@ -4381,7 +4506,7 @@
           <a:p>
             <a:fld id="{2D0A01F5-7044-4460-A129-106A20178FD2}" type="datetimeFigureOut">
               <a:rPr lang="en-CA" smtClean="0"/>
-              <a:t>2023-03-09</a:t>
+              <a:t>2023-03-10</a:t>
             </a:fld>
             <a:endParaRPr lang="en-CA"/>
           </a:p>
@@ -4649,7 +4774,7 @@
           <a:p>
             <a:fld id="{2D0A01F5-7044-4460-A129-106A20178FD2}" type="datetimeFigureOut">
               <a:rPr lang="en-CA" smtClean="0"/>
-              <a:t>2023-03-09</a:t>
+              <a:t>2023-03-10</a:t>
             </a:fld>
             <a:endParaRPr lang="en-CA"/>
           </a:p>
@@ -5064,7 +5189,7 @@
           <a:p>
             <a:fld id="{2D0A01F5-7044-4460-A129-106A20178FD2}" type="datetimeFigureOut">
               <a:rPr lang="en-CA" smtClean="0"/>
-              <a:t>2023-03-09</a:t>
+              <a:t>2023-03-10</a:t>
             </a:fld>
             <a:endParaRPr lang="en-CA"/>
           </a:p>
@@ -5206,7 +5331,7 @@
           <a:p>
             <a:fld id="{2D0A01F5-7044-4460-A129-106A20178FD2}" type="datetimeFigureOut">
               <a:rPr lang="en-CA" smtClean="0"/>
-              <a:t>2023-03-09</a:t>
+              <a:t>2023-03-10</a:t>
             </a:fld>
             <a:endParaRPr lang="en-CA"/>
           </a:p>
@@ -5319,7 +5444,7 @@
           <a:p>
             <a:fld id="{2D0A01F5-7044-4460-A129-106A20178FD2}" type="datetimeFigureOut">
               <a:rPr lang="en-CA" smtClean="0"/>
-              <a:t>2023-03-09</a:t>
+              <a:t>2023-03-10</a:t>
             </a:fld>
             <a:endParaRPr lang="en-CA"/>
           </a:p>
@@ -5632,7 +5757,7 @@
           <a:p>
             <a:fld id="{2D0A01F5-7044-4460-A129-106A20178FD2}" type="datetimeFigureOut">
               <a:rPr lang="en-CA" smtClean="0"/>
-              <a:t>2023-03-09</a:t>
+              <a:t>2023-03-10</a:t>
             </a:fld>
             <a:endParaRPr lang="en-CA"/>
           </a:p>
@@ -5921,7 +6046,7 @@
           <a:p>
             <a:fld id="{2D0A01F5-7044-4460-A129-106A20178FD2}" type="datetimeFigureOut">
               <a:rPr lang="en-CA" smtClean="0"/>
-              <a:t>2023-03-09</a:t>
+              <a:t>2023-03-10</a:t>
             </a:fld>
             <a:endParaRPr lang="en-CA"/>
           </a:p>
@@ -6164,7 +6289,7 @@
           <a:p>
             <a:fld id="{2D0A01F5-7044-4460-A129-106A20178FD2}" type="datetimeFigureOut">
               <a:rPr lang="en-CA" smtClean="0"/>
-              <a:t>2023-03-09</a:t>
+              <a:t>2023-03-10</a:t>
             </a:fld>
             <a:endParaRPr lang="en-CA"/>
           </a:p>
